--- a/Architecture Specification Documents/Diagrams.pptx
+++ b/Architecture Specification Documents/Diagrams.pptx
@@ -242,7 +242,7 @@
           <a:p>
             <a:fld id="{35F845B1-B16D-426F-8C61-118C34761407}" type="datetimeFigureOut">
               <a:rPr lang="en-US" smtClean="0"/>
-              <a:t>3/18/2017</a:t>
+              <a:t>4/14/2017</a:t>
             </a:fld>
             <a:endParaRPr lang="en-US"/>
           </a:p>
@@ -410,7 +410,7 @@
           <a:p>
             <a:fld id="{35F845B1-B16D-426F-8C61-118C34761407}" type="datetimeFigureOut">
               <a:rPr lang="en-US" smtClean="0"/>
-              <a:t>3/18/2017</a:t>
+              <a:t>4/14/2017</a:t>
             </a:fld>
             <a:endParaRPr lang="en-US"/>
           </a:p>
@@ -588,7 +588,7 @@
           <a:p>
             <a:fld id="{35F845B1-B16D-426F-8C61-118C34761407}" type="datetimeFigureOut">
               <a:rPr lang="en-US" smtClean="0"/>
-              <a:t>3/18/2017</a:t>
+              <a:t>4/14/2017</a:t>
             </a:fld>
             <a:endParaRPr lang="en-US"/>
           </a:p>
@@ -756,7 +756,7 @@
           <a:p>
             <a:fld id="{35F845B1-B16D-426F-8C61-118C34761407}" type="datetimeFigureOut">
               <a:rPr lang="en-US" smtClean="0"/>
-              <a:t>3/18/2017</a:t>
+              <a:t>4/14/2017</a:t>
             </a:fld>
             <a:endParaRPr lang="en-US"/>
           </a:p>
@@ -1001,7 +1001,7 @@
           <a:p>
             <a:fld id="{35F845B1-B16D-426F-8C61-118C34761407}" type="datetimeFigureOut">
               <a:rPr lang="en-US" smtClean="0"/>
-              <a:t>3/18/2017</a:t>
+              <a:t>4/14/2017</a:t>
             </a:fld>
             <a:endParaRPr lang="en-US"/>
           </a:p>
@@ -1230,7 +1230,7 @@
           <a:p>
             <a:fld id="{35F845B1-B16D-426F-8C61-118C34761407}" type="datetimeFigureOut">
               <a:rPr lang="en-US" smtClean="0"/>
-              <a:t>3/18/2017</a:t>
+              <a:t>4/14/2017</a:t>
             </a:fld>
             <a:endParaRPr lang="en-US"/>
           </a:p>
@@ -1594,7 +1594,7 @@
           <a:p>
             <a:fld id="{35F845B1-B16D-426F-8C61-118C34761407}" type="datetimeFigureOut">
               <a:rPr lang="en-US" smtClean="0"/>
-              <a:t>3/18/2017</a:t>
+              <a:t>4/14/2017</a:t>
             </a:fld>
             <a:endParaRPr lang="en-US"/>
           </a:p>
@@ -1711,7 +1711,7 @@
           <a:p>
             <a:fld id="{35F845B1-B16D-426F-8C61-118C34761407}" type="datetimeFigureOut">
               <a:rPr lang="en-US" smtClean="0"/>
-              <a:t>3/18/2017</a:t>
+              <a:t>4/14/2017</a:t>
             </a:fld>
             <a:endParaRPr lang="en-US"/>
           </a:p>
@@ -1806,7 +1806,7 @@
           <a:p>
             <a:fld id="{35F845B1-B16D-426F-8C61-118C34761407}" type="datetimeFigureOut">
               <a:rPr lang="en-US" smtClean="0"/>
-              <a:t>3/18/2017</a:t>
+              <a:t>4/14/2017</a:t>
             </a:fld>
             <a:endParaRPr lang="en-US"/>
           </a:p>
@@ -2081,7 +2081,7 @@
           <a:p>
             <a:fld id="{35F845B1-B16D-426F-8C61-118C34761407}" type="datetimeFigureOut">
               <a:rPr lang="en-US" smtClean="0"/>
-              <a:t>3/18/2017</a:t>
+              <a:t>4/14/2017</a:t>
             </a:fld>
             <a:endParaRPr lang="en-US"/>
           </a:p>
@@ -2333,7 +2333,7 @@
           <a:p>
             <a:fld id="{35F845B1-B16D-426F-8C61-118C34761407}" type="datetimeFigureOut">
               <a:rPr lang="en-US" smtClean="0"/>
-              <a:t>3/18/2017</a:t>
+              <a:t>4/14/2017</a:t>
             </a:fld>
             <a:endParaRPr lang="en-US"/>
           </a:p>
@@ -2544,7 +2544,7 @@
           <a:p>
             <a:fld id="{35F845B1-B16D-426F-8C61-118C34761407}" type="datetimeFigureOut">
               <a:rPr lang="en-US" smtClean="0"/>
-              <a:t>3/18/2017</a:t>
+              <a:t>4/14/2017</a:t>
             </a:fld>
             <a:endParaRPr lang="en-US"/>
           </a:p>
@@ -3257,7 +3257,7 @@
         </p:nvSpPr>
         <p:spPr>
           <a:xfrm>
-            <a:off x="6033206" y="2354790"/>
+            <a:off x="9778080" y="1132383"/>
             <a:ext cx="1740877" cy="355335"/>
           </a:xfrm>
           <a:prstGeom prst="rect">
@@ -3783,8 +3783,8 @@
         </p:nvCxnSpPr>
         <p:spPr>
           <a:xfrm>
-            <a:off x="8216411" y="1488922"/>
-            <a:ext cx="2451589" cy="547594"/>
+            <a:off x="8994532" y="1493066"/>
+            <a:ext cx="1673468" cy="543450"/>
           </a:xfrm>
           <a:prstGeom prst="straightConnector1">
             <a:avLst/>
@@ -3814,16 +3814,13 @@
       <p:cxnSp>
         <p:nvCxnSpPr>
           <p:cNvPr id="27" name="Straight Arrow Connector 26"/>
-          <p:cNvCxnSpPr>
-            <a:stCxn id="8" idx="2"/>
-            <a:endCxn id="7" idx="0"/>
-          </p:cNvCxnSpPr>
+          <p:cNvCxnSpPr/>
           <p:nvPr/>
         </p:nvCxnSpPr>
         <p:spPr>
           <a:xfrm>
-            <a:off x="8216413" y="1483699"/>
-            <a:ext cx="654294" cy="553621"/>
+            <a:off x="8124826" y="1644252"/>
+            <a:ext cx="16508" cy="397487"/>
           </a:xfrm>
           <a:prstGeom prst="straightConnector1">
             <a:avLst/>
@@ -3844,45 +3841,6 @@
           </a:fillRef>
           <a:effectRef idx="2">
             <a:schemeClr val="dk1"/>
-          </a:effectRef>
-          <a:fontRef idx="minor">
-            <a:schemeClr val="tx1"/>
-          </a:fontRef>
-        </p:style>
-      </p:cxnSp>
-      <p:cxnSp>
-        <p:nvCxnSpPr>
-          <p:cNvPr id="29" name="Straight Arrow Connector 28"/>
-          <p:cNvCxnSpPr>
-            <a:stCxn id="8" idx="1"/>
-            <a:endCxn id="6" idx="3"/>
-          </p:cNvCxnSpPr>
-          <p:nvPr/>
-        </p:nvCxnSpPr>
-        <p:spPr>
-          <a:xfrm>
-            <a:off x="7438293" y="1310051"/>
-            <a:ext cx="335790" cy="1222407"/>
-          </a:xfrm>
-          <a:prstGeom prst="straightConnector1">
-            <a:avLst/>
-          </a:prstGeom>
-          <a:ln>
-            <a:solidFill>
-              <a:srgbClr val="FF0000"/>
-            </a:solidFill>
-            <a:tailEnd type="triangle"/>
-          </a:ln>
-        </p:spPr>
-        <p:style>
-          <a:lnRef idx="3">
-            <a:schemeClr val="accent6"/>
-          </a:lnRef>
-          <a:fillRef idx="0">
-            <a:schemeClr val="accent6"/>
-          </a:fillRef>
-          <a:effectRef idx="2">
-            <a:schemeClr val="accent6"/>
           </a:effectRef>
           <a:fontRef idx="minor">
             <a:schemeClr val="tx1"/>
@@ -4198,7 +4156,7 @@
         </p:nvSpPr>
         <p:spPr>
           <a:xfrm>
-            <a:off x="5940202" y="1815500"/>
+            <a:off x="5904039" y="2035073"/>
             <a:ext cx="1609331" cy="355335"/>
           </a:xfrm>
           <a:prstGeom prst="rect">
@@ -4246,7 +4204,7 @@
         <p:spPr>
           <a:xfrm>
             <a:off x="6202241" y="1483700"/>
-            <a:ext cx="542627" cy="331800"/>
+            <a:ext cx="506464" cy="551373"/>
           </a:xfrm>
           <a:prstGeom prst="straightConnector1">
             <a:avLst/>
@@ -4275,55 +4233,16 @@
       </p:cxnSp>
       <p:cxnSp>
         <p:nvCxnSpPr>
-          <p:cNvPr id="42" name="Straight Arrow Connector 41"/>
-          <p:cNvCxnSpPr>
-            <a:stCxn id="8" idx="1"/>
-          </p:cNvCxnSpPr>
-          <p:nvPr/>
-        </p:nvCxnSpPr>
-        <p:spPr>
-          <a:xfrm>
-            <a:off x="7438293" y="1310051"/>
-            <a:ext cx="738988" cy="1812281"/>
-          </a:xfrm>
-          <a:prstGeom prst="straightConnector1">
-            <a:avLst/>
-          </a:prstGeom>
-          <a:ln>
-            <a:solidFill>
-              <a:srgbClr val="FF0000"/>
-            </a:solidFill>
-            <a:tailEnd type="triangle"/>
-          </a:ln>
-        </p:spPr>
-        <p:style>
-          <a:lnRef idx="3">
-            <a:schemeClr val="dk1"/>
-          </a:lnRef>
-          <a:fillRef idx="0">
-            <a:schemeClr val="dk1"/>
-          </a:fillRef>
-          <a:effectRef idx="2">
-            <a:schemeClr val="dk1"/>
-          </a:effectRef>
-          <a:fontRef idx="minor">
-            <a:schemeClr val="tx1"/>
-          </a:fontRef>
-        </p:style>
-      </p:cxnSp>
-      <p:cxnSp>
-        <p:nvCxnSpPr>
           <p:cNvPr id="50" name="Straight Arrow Connector 49"/>
           <p:cNvCxnSpPr>
-            <a:stCxn id="10" idx="1"/>
             <a:endCxn id="6" idx="1"/>
           </p:cNvCxnSpPr>
           <p:nvPr/>
         </p:nvCxnSpPr>
         <p:spPr>
           <a:xfrm>
-            <a:off x="5273919" y="1310052"/>
-            <a:ext cx="759287" cy="1222406"/>
+            <a:off x="9156391" y="1310051"/>
+            <a:ext cx="621689" cy="0"/>
           </a:xfrm>
           <a:prstGeom prst="straightConnector1">
             <a:avLst/>
@@ -4361,8 +4280,8 @@
         </p:nvCxnSpPr>
         <p:spPr>
           <a:xfrm flipH="1">
-            <a:off x="6744868" y="1310051"/>
-            <a:ext cx="693425" cy="505449"/>
+            <a:off x="6708705" y="1310051"/>
+            <a:ext cx="729588" cy="725022"/>
           </a:xfrm>
           <a:prstGeom prst="straightConnector1">
             <a:avLst/>
@@ -5543,42 +5462,6 @@
           </a:fontRef>
         </p:style>
       </p:cxnSp>
-      <p:cxnSp>
-        <p:nvCxnSpPr>
-          <p:cNvPr id="186" name="Straight Arrow Connector 185"/>
-          <p:cNvCxnSpPr/>
-          <p:nvPr/>
-        </p:nvCxnSpPr>
-        <p:spPr>
-          <a:xfrm>
-            <a:off x="9945202" y="4283216"/>
-            <a:ext cx="0" cy="665378"/>
-          </a:xfrm>
-          <a:prstGeom prst="straightConnector1">
-            <a:avLst/>
-          </a:prstGeom>
-          <a:ln>
-            <a:solidFill>
-              <a:schemeClr val="tx1"/>
-            </a:solidFill>
-            <a:tailEnd type="triangle"/>
-          </a:ln>
-        </p:spPr>
-        <p:style>
-          <a:lnRef idx="1">
-            <a:schemeClr val="accent1"/>
-          </a:lnRef>
-          <a:fillRef idx="0">
-            <a:schemeClr val="accent1"/>
-          </a:fillRef>
-          <a:effectRef idx="0">
-            <a:schemeClr val="accent1"/>
-          </a:effectRef>
-          <a:fontRef idx="minor">
-            <a:schemeClr val="tx1"/>
-          </a:fontRef>
-        </p:style>
-      </p:cxnSp>
       <p:sp>
         <p:nvSpPr>
           <p:cNvPr id="188" name="TextBox 187"/>
@@ -5622,7 +5505,7 @@
         </p:nvSpPr>
         <p:spPr>
           <a:xfrm>
-            <a:off x="9033960" y="4474580"/>
+            <a:off x="9021041" y="4535958"/>
             <a:ext cx="1846468" cy="276999"/>
           </a:xfrm>
           <a:prstGeom prst="rect">
@@ -5651,7 +5534,7 @@
         </p:nvSpPr>
         <p:spPr>
           <a:xfrm>
-            <a:off x="11297911" y="6177062"/>
+            <a:off x="9707754" y="5169128"/>
             <a:ext cx="466725" cy="466725"/>
           </a:xfrm>
           <a:prstGeom prst="ellipse">
@@ -5699,7 +5582,7 @@
         </p:nvSpPr>
         <p:spPr>
           <a:xfrm>
-            <a:off x="11362043" y="6236057"/>
+            <a:off x="9771886" y="5228123"/>
             <a:ext cx="351692" cy="351692"/>
           </a:xfrm>
           <a:prstGeom prst="ellipse">
@@ -6396,7 +6279,7 @@
         </p:nvSpPr>
         <p:spPr>
           <a:xfrm>
-            <a:off x="11137100" y="6643787"/>
+            <a:off x="9546943" y="5635853"/>
             <a:ext cx="794961" cy="276999"/>
           </a:xfrm>
           <a:prstGeom prst="rect">
@@ -6419,49 +6302,16 @@
       </p:sp>
       <p:cxnSp>
         <p:nvCxnSpPr>
-          <p:cNvPr id="252" name="Straight Connector 251"/>
-          <p:cNvCxnSpPr/>
+          <p:cNvPr id="253" name="Straight Arrow Connector 252"/>
+          <p:cNvCxnSpPr>
+            <a:endCxn id="254" idx="0"/>
+          </p:cNvCxnSpPr>
           <p:nvPr/>
         </p:nvCxnSpPr>
         <p:spPr>
-          <a:xfrm flipV="1">
-            <a:off x="6365625" y="362370"/>
-            <a:ext cx="0" cy="272129"/>
-          </a:xfrm>
-          <a:prstGeom prst="line">
-            <a:avLst/>
-          </a:prstGeom>
-          <a:ln>
-            <a:solidFill>
-              <a:schemeClr val="tx1"/>
-            </a:solidFill>
-          </a:ln>
-        </p:spPr>
-        <p:style>
-          <a:lnRef idx="1">
-            <a:schemeClr val="accent1"/>
-          </a:lnRef>
-          <a:fillRef idx="0">
-            <a:schemeClr val="accent1"/>
-          </a:fillRef>
-          <a:effectRef idx="0">
-            <a:schemeClr val="accent1"/>
-          </a:effectRef>
-          <a:fontRef idx="minor">
-            <a:schemeClr val="tx1"/>
-          </a:fontRef>
-        </p:style>
-      </p:cxnSp>
-      <p:cxnSp>
-        <p:nvCxnSpPr>
-          <p:cNvPr id="253" name="Straight Arrow Connector 252"/>
-          <p:cNvCxnSpPr/>
-          <p:nvPr/>
-        </p:nvCxnSpPr>
-        <p:spPr>
           <a:xfrm flipH="1">
-            <a:off x="5467193" y="362370"/>
-            <a:ext cx="905504" cy="0"/>
+            <a:off x="6369736" y="1037204"/>
+            <a:ext cx="3479" cy="667439"/>
           </a:xfrm>
           <a:prstGeom prst="straightConnector1">
             <a:avLst/>
@@ -6496,7 +6346,7 @@
         </p:nvSpPr>
         <p:spPr>
           <a:xfrm>
-            <a:off x="4418231" y="79828"/>
+            <a:off x="5842197" y="1704643"/>
             <a:ext cx="1055077" cy="395654"/>
           </a:xfrm>
           <a:prstGeom prst="roundRect">
@@ -6533,96 +6383,11 @@
                   <a:sysClr val="windowText" lastClr="000000"/>
                 </a:solidFill>
               </a:rPr>
-              <a:t>Reset </a:t>
-            </a:r>
-            <a:r>
-              <a:rPr lang="en-US" sz="1200" dirty="0" err="1">
-                <a:solidFill>
-                  <a:sysClr val="windowText" lastClr="000000"/>
-                </a:solidFill>
-              </a:rPr>
-              <a:t>PlayMode</a:t>
-            </a:r>
-            <a:endParaRPr lang="en-US" sz="1200" dirty="0">
-              <a:solidFill>
-                <a:sysClr val="windowText" lastClr="000000"/>
-              </a:solidFill>
-            </a:endParaRPr>
-          </a:p>
-        </p:txBody>
-      </p:sp>
-      <p:cxnSp>
-        <p:nvCxnSpPr>
-          <p:cNvPr id="255" name="Straight Connector 254"/>
-          <p:cNvCxnSpPr>
-            <a:stCxn id="254" idx="1"/>
-          </p:cNvCxnSpPr>
-          <p:nvPr/>
-        </p:nvCxnSpPr>
-        <p:spPr>
-          <a:xfrm flipH="1">
-            <a:off x="184638" y="277655"/>
-            <a:ext cx="4233593" cy="0"/>
-          </a:xfrm>
-          <a:prstGeom prst="line">
-            <a:avLst/>
-          </a:prstGeom>
-          <a:ln>
-            <a:solidFill>
-              <a:schemeClr val="tx1"/>
-            </a:solidFill>
-          </a:ln>
-        </p:spPr>
-        <p:style>
-          <a:lnRef idx="1">
-            <a:schemeClr val="accent1"/>
-          </a:lnRef>
-          <a:fillRef idx="0">
-            <a:schemeClr val="accent1"/>
-          </a:fillRef>
-          <a:effectRef idx="0">
-            <a:schemeClr val="accent1"/>
-          </a:effectRef>
-          <a:fontRef idx="minor">
-            <a:schemeClr val="tx1"/>
-          </a:fontRef>
-        </p:style>
-      </p:cxnSp>
-      <p:cxnSp>
-        <p:nvCxnSpPr>
-          <p:cNvPr id="256" name="Straight Connector 255"/>
-          <p:cNvCxnSpPr/>
-          <p:nvPr/>
-        </p:nvCxnSpPr>
-        <p:spPr>
-          <a:xfrm>
-            <a:off x="184638" y="277655"/>
-            <a:ext cx="0" cy="2435124"/>
-          </a:xfrm>
-          <a:prstGeom prst="line">
-            <a:avLst/>
-          </a:prstGeom>
-          <a:ln>
-            <a:solidFill>
-              <a:schemeClr val="tx1"/>
-            </a:solidFill>
-          </a:ln>
-        </p:spPr>
-        <p:style>
-          <a:lnRef idx="1">
-            <a:schemeClr val="accent1"/>
-          </a:lnRef>
-          <a:fillRef idx="0">
-            <a:schemeClr val="accent1"/>
-          </a:fillRef>
-          <a:effectRef idx="0">
-            <a:schemeClr val="accent1"/>
-          </a:effectRef>
-          <a:fontRef idx="minor">
-            <a:schemeClr val="tx1"/>
-          </a:fontRef>
-        </p:style>
-      </p:cxnSp>
+              <a:t>Teleport to new position</a:t>
+            </a:r>
+          </a:p>
+        </p:txBody>
+      </p:sp>
       <p:sp>
         <p:nvSpPr>
           <p:cNvPr id="258" name="TextBox 257"/>
@@ -6631,7 +6396,7 @@
         </p:nvSpPr>
         <p:spPr>
           <a:xfrm>
-            <a:off x="5616770" y="144385"/>
+            <a:off x="6329958" y="1163438"/>
             <a:ext cx="822661" cy="276999"/>
           </a:xfrm>
           <a:prstGeom prst="rect">
@@ -6652,123 +6417,16 @@
           </a:p>
         </p:txBody>
       </p:sp>
-      <p:sp>
-        <p:nvSpPr>
-          <p:cNvPr id="268" name="Rectangle 267"/>
-          <p:cNvSpPr/>
-          <p:nvPr/>
-        </p:nvSpPr>
-        <p:spPr>
-          <a:xfrm rot="2700000">
-            <a:off x="9805316" y="5012764"/>
-            <a:ext cx="279769" cy="279769"/>
-          </a:xfrm>
-          <a:prstGeom prst="rect">
-            <a:avLst/>
-          </a:prstGeom>
-          <a:solidFill>
-            <a:schemeClr val="bg1"/>
-          </a:solidFill>
-        </p:spPr>
-        <p:style>
-          <a:lnRef idx="2">
-            <a:schemeClr val="dk1">
-              <a:shade val="50000"/>
-            </a:schemeClr>
-          </a:lnRef>
-          <a:fillRef idx="1">
-            <a:schemeClr val="dk1"/>
-          </a:fillRef>
-          <a:effectRef idx="0">
-            <a:schemeClr val="dk1"/>
-          </a:effectRef>
-          <a:fontRef idx="minor">
-            <a:schemeClr val="lt1"/>
-          </a:fontRef>
-        </p:style>
-        <p:txBody>
-          <a:bodyPr rtlCol="0" anchor="ctr"/>
-          <a:lstStyle/>
-          <a:p>
-            <a:pPr algn="ctr"/>
-            <a:endParaRPr lang="en-US"/>
-          </a:p>
-        </p:txBody>
-      </p:sp>
-      <p:sp>
-        <p:nvSpPr>
-          <p:cNvPr id="271" name="TextBox 270"/>
-          <p:cNvSpPr txBox="1"/>
-          <p:nvPr/>
-        </p:nvSpPr>
-        <p:spPr>
-          <a:xfrm>
-            <a:off x="10158219" y="4913872"/>
-            <a:ext cx="1678216" cy="276999"/>
-          </a:xfrm>
-          <a:prstGeom prst="rect">
-            <a:avLst/>
-          </a:prstGeom>
-          <a:noFill/>
-        </p:spPr>
-        <p:txBody>
-          <a:bodyPr wrap="none" rtlCol="0">
-            <a:spAutoFit/>
-          </a:bodyPr>
-          <a:lstStyle/>
-          <a:p>
-            <a:r>
-              <a:rPr lang="en-US" sz="1200" dirty="0"/>
-              <a:t>Side objective complete</a:t>
-            </a:r>
-          </a:p>
-        </p:txBody>
-      </p:sp>
       <p:cxnSp>
         <p:nvCxnSpPr>
-          <p:cNvPr id="274" name="Straight Connector 273"/>
+          <p:cNvPr id="283" name="Straight Arrow Connector 282"/>
           <p:cNvCxnSpPr/>
           <p:nvPr/>
         </p:nvCxnSpPr>
         <p:spPr>
           <a:xfrm>
-            <a:off x="10143028" y="5147234"/>
-            <a:ext cx="1219015" cy="0"/>
-          </a:xfrm>
-          <a:prstGeom prst="line">
-            <a:avLst/>
-          </a:prstGeom>
-          <a:ln>
-            <a:solidFill>
-              <a:schemeClr val="tx1"/>
-            </a:solidFill>
-          </a:ln>
-        </p:spPr>
-        <p:style>
-          <a:lnRef idx="1">
-            <a:schemeClr val="accent1"/>
-          </a:lnRef>
-          <a:fillRef idx="0">
-            <a:schemeClr val="accent1"/>
-          </a:fillRef>
-          <a:effectRef idx="0">
-            <a:schemeClr val="accent1"/>
-          </a:effectRef>
-          <a:fontRef idx="minor">
-            <a:schemeClr val="tx1"/>
-          </a:fontRef>
-        </p:style>
-      </p:cxnSp>
-      <p:cxnSp>
-        <p:nvCxnSpPr>
-          <p:cNvPr id="276" name="Straight Arrow Connector 275"/>
-          <p:cNvCxnSpPr/>
-          <p:nvPr/>
-        </p:nvCxnSpPr>
-        <p:spPr>
-          <a:xfrm>
-            <a:off x="11362043" y="5147234"/>
-            <a:ext cx="0" cy="287253"/>
+            <a:off x="9944275" y="4280630"/>
+            <a:ext cx="0" cy="908029"/>
           </a:xfrm>
           <a:prstGeom prst="straightConnector1">
             <a:avLst/>
@@ -6795,196 +6453,6 @@
           </a:fontRef>
         </p:style>
       </p:cxnSp>
-      <p:sp>
-        <p:nvSpPr>
-          <p:cNvPr id="277" name="Rectangle: Rounded Corners 276"/>
-          <p:cNvSpPr/>
-          <p:nvPr/>
-        </p:nvSpPr>
-        <p:spPr>
-          <a:xfrm>
-            <a:off x="10752535" y="5434487"/>
-            <a:ext cx="1219908" cy="395654"/>
-          </a:xfrm>
-          <a:prstGeom prst="roundRect">
-            <a:avLst/>
-          </a:prstGeom>
-          <a:solidFill>
-            <a:schemeClr val="bg1"/>
-          </a:solidFill>
-        </p:spPr>
-        <p:style>
-          <a:lnRef idx="2">
-            <a:schemeClr val="dk1">
-              <a:shade val="50000"/>
-            </a:schemeClr>
-          </a:lnRef>
-          <a:fillRef idx="1">
-            <a:schemeClr val="dk1"/>
-          </a:fillRef>
-          <a:effectRef idx="0">
-            <a:schemeClr val="dk1"/>
-          </a:effectRef>
-          <a:fontRef idx="minor">
-            <a:schemeClr val="lt1"/>
-          </a:fontRef>
-        </p:style>
-        <p:txBody>
-          <a:bodyPr rtlCol="0" anchor="ctr"/>
-          <a:lstStyle/>
-          <a:p>
-            <a:pPr algn="ctr"/>
-            <a:r>
-              <a:rPr lang="en-US" sz="1200" dirty="0">
-                <a:solidFill>
-                  <a:schemeClr val="tx1"/>
-                </a:solidFill>
-              </a:rPr>
-              <a:t>Increment stat</a:t>
-            </a:r>
-          </a:p>
-        </p:txBody>
-      </p:sp>
-      <p:cxnSp>
-        <p:nvCxnSpPr>
-          <p:cNvPr id="279" name="Straight Arrow Connector 278"/>
-          <p:cNvCxnSpPr>
-            <a:endCxn id="190" idx="0"/>
-          </p:cNvCxnSpPr>
-          <p:nvPr/>
-        </p:nvCxnSpPr>
-        <p:spPr>
-          <a:xfrm flipH="1">
-            <a:off x="11531274" y="5830141"/>
-            <a:ext cx="3306" cy="346921"/>
-          </a:xfrm>
-          <a:prstGeom prst="straightConnector1">
-            <a:avLst/>
-          </a:prstGeom>
-          <a:ln>
-            <a:solidFill>
-              <a:schemeClr val="tx1"/>
-            </a:solidFill>
-            <a:tailEnd type="triangle"/>
-          </a:ln>
-        </p:spPr>
-        <p:style>
-          <a:lnRef idx="1">
-            <a:schemeClr val="accent1"/>
-          </a:lnRef>
-          <a:fillRef idx="0">
-            <a:schemeClr val="accent1"/>
-          </a:fillRef>
-          <a:effectRef idx="0">
-            <a:schemeClr val="accent1"/>
-          </a:effectRef>
-          <a:fontRef idx="minor">
-            <a:schemeClr val="tx1"/>
-          </a:fontRef>
-        </p:style>
-      </p:cxnSp>
-      <p:cxnSp>
-        <p:nvCxnSpPr>
-          <p:cNvPr id="281" name="Straight Connector 280"/>
-          <p:cNvCxnSpPr/>
-          <p:nvPr/>
-        </p:nvCxnSpPr>
-        <p:spPr>
-          <a:xfrm>
-            <a:off x="9945200" y="5350476"/>
-            <a:ext cx="0" cy="1059948"/>
-          </a:xfrm>
-          <a:prstGeom prst="line">
-            <a:avLst/>
-          </a:prstGeom>
-          <a:ln>
-            <a:solidFill>
-              <a:schemeClr val="tx1"/>
-            </a:solidFill>
-          </a:ln>
-        </p:spPr>
-        <p:style>
-          <a:lnRef idx="1">
-            <a:schemeClr val="accent1"/>
-          </a:lnRef>
-          <a:fillRef idx="0">
-            <a:schemeClr val="accent1"/>
-          </a:fillRef>
-          <a:effectRef idx="0">
-            <a:schemeClr val="accent1"/>
-          </a:effectRef>
-          <a:fontRef idx="minor">
-            <a:schemeClr val="tx1"/>
-          </a:fontRef>
-        </p:style>
-      </p:cxnSp>
-      <p:cxnSp>
-        <p:nvCxnSpPr>
-          <p:cNvPr id="283" name="Straight Arrow Connector 282"/>
-          <p:cNvCxnSpPr>
-            <a:endCxn id="190" idx="2"/>
-          </p:cNvCxnSpPr>
-          <p:nvPr/>
-        </p:nvCxnSpPr>
-        <p:spPr>
-          <a:xfrm>
-            <a:off x="9945200" y="6410424"/>
-            <a:ext cx="1352711" cy="1"/>
-          </a:xfrm>
-          <a:prstGeom prst="straightConnector1">
-            <a:avLst/>
-          </a:prstGeom>
-          <a:ln>
-            <a:solidFill>
-              <a:schemeClr val="tx1"/>
-            </a:solidFill>
-            <a:tailEnd type="triangle"/>
-          </a:ln>
-        </p:spPr>
-        <p:style>
-          <a:lnRef idx="1">
-            <a:schemeClr val="accent1"/>
-          </a:lnRef>
-          <a:fillRef idx="0">
-            <a:schemeClr val="accent1"/>
-          </a:fillRef>
-          <a:effectRef idx="0">
-            <a:schemeClr val="accent1"/>
-          </a:effectRef>
-          <a:fontRef idx="minor">
-            <a:schemeClr val="tx1"/>
-          </a:fontRef>
-        </p:style>
-      </p:cxnSp>
-      <p:sp>
-        <p:nvSpPr>
-          <p:cNvPr id="284" name="TextBox 283"/>
-          <p:cNvSpPr txBox="1"/>
-          <p:nvPr/>
-        </p:nvSpPr>
-        <p:spPr>
-          <a:xfrm rot="5400000">
-            <a:off x="9087897" y="5905757"/>
-            <a:ext cx="1435329" cy="276999"/>
-          </a:xfrm>
-          <a:prstGeom prst="rect">
-            <a:avLst/>
-          </a:prstGeom>
-          <a:noFill/>
-        </p:spPr>
-        <p:txBody>
-          <a:bodyPr wrap="none" rtlCol="0">
-            <a:spAutoFit/>
-          </a:bodyPr>
-          <a:lstStyle/>
-          <a:p>
-            <a:r>
-              <a:rPr lang="en-US" sz="1200" dirty="0"/>
-              <a:t>Side objective failed</a:t>
-            </a:r>
-          </a:p>
-        </p:txBody>
-      </p:sp>
       <p:sp>
         <p:nvSpPr>
           <p:cNvPr id="285" name="Rectangle: Rounded Corners 284"/>
@@ -7993,42 +7461,6 @@
       </p:cxnSp>
       <p:cxnSp>
         <p:nvCxnSpPr>
-          <p:cNvPr id="347" name="Straight Arrow Connector 346"/>
-          <p:cNvCxnSpPr/>
-          <p:nvPr/>
-        </p:nvCxnSpPr>
-        <p:spPr>
-          <a:xfrm>
-            <a:off x="184638" y="2712779"/>
-            <a:ext cx="433326" cy="0"/>
-          </a:xfrm>
-          <a:prstGeom prst="straightConnector1">
-            <a:avLst/>
-          </a:prstGeom>
-          <a:ln>
-            <a:solidFill>
-              <a:schemeClr val="tx1"/>
-            </a:solidFill>
-            <a:tailEnd type="triangle"/>
-          </a:ln>
-        </p:spPr>
-        <p:style>
-          <a:lnRef idx="1">
-            <a:schemeClr val="accent1"/>
-          </a:lnRef>
-          <a:fillRef idx="0">
-            <a:schemeClr val="accent1"/>
-          </a:fillRef>
-          <a:effectRef idx="0">
-            <a:schemeClr val="accent1"/>
-          </a:effectRef>
-          <a:fontRef idx="minor">
-            <a:schemeClr val="tx1"/>
-          </a:fontRef>
-        </p:style>
-      </p:cxnSp>
-      <p:cxnSp>
-        <p:nvCxnSpPr>
           <p:cNvPr id="349" name="Straight Arrow Connector 348"/>
           <p:cNvCxnSpPr/>
           <p:nvPr/>
@@ -8140,6 +7572,87 @@
           <a:xfrm flipH="1" flipV="1">
             <a:off x="1013619" y="3512614"/>
             <a:ext cx="755317" cy="28872"/>
+          </a:xfrm>
+          <a:prstGeom prst="straightConnector1">
+            <a:avLst/>
+          </a:prstGeom>
+          <a:ln>
+            <a:solidFill>
+              <a:schemeClr val="tx1"/>
+            </a:solidFill>
+            <a:tailEnd type="triangle"/>
+          </a:ln>
+        </p:spPr>
+        <p:style>
+          <a:lnRef idx="1">
+            <a:schemeClr val="accent1"/>
+          </a:lnRef>
+          <a:fillRef idx="0">
+            <a:schemeClr val="accent1"/>
+          </a:fillRef>
+          <a:effectRef idx="0">
+            <a:schemeClr val="accent1"/>
+          </a:effectRef>
+          <a:fontRef idx="minor">
+            <a:schemeClr val="tx1"/>
+          </a:fontRef>
+        </p:style>
+      </p:cxnSp>
+      <p:sp>
+        <p:nvSpPr>
+          <p:cNvPr id="101" name="Rectangle 100"/>
+          <p:cNvSpPr/>
+          <p:nvPr/>
+        </p:nvSpPr>
+        <p:spPr>
+          <a:xfrm rot="2700000">
+            <a:off x="4955669" y="1757763"/>
+            <a:ext cx="279769" cy="279769"/>
+          </a:xfrm>
+          <a:prstGeom prst="rect">
+            <a:avLst/>
+          </a:prstGeom>
+          <a:solidFill>
+            <a:schemeClr val="bg1"/>
+          </a:solidFill>
+        </p:spPr>
+        <p:style>
+          <a:lnRef idx="2">
+            <a:schemeClr val="dk1">
+              <a:shade val="50000"/>
+            </a:schemeClr>
+          </a:lnRef>
+          <a:fillRef idx="1">
+            <a:schemeClr val="dk1"/>
+          </a:fillRef>
+          <a:effectRef idx="0">
+            <a:schemeClr val="dk1"/>
+          </a:effectRef>
+          <a:fontRef idx="minor">
+            <a:schemeClr val="lt1"/>
+          </a:fontRef>
+        </p:style>
+        <p:txBody>
+          <a:bodyPr rtlCol="0" anchor="ctr"/>
+          <a:lstStyle/>
+          <a:p>
+            <a:pPr algn="ctr"/>
+            <a:endParaRPr lang="en-US"/>
+          </a:p>
+        </p:txBody>
+      </p:sp>
+      <p:cxnSp>
+        <p:nvCxnSpPr>
+          <p:cNvPr id="8" name="Straight Arrow Connector 7"/>
+          <p:cNvCxnSpPr>
+            <a:stCxn id="254" idx="1"/>
+          </p:cNvCxnSpPr>
+          <p:nvPr/>
+        </p:nvCxnSpPr>
+        <p:spPr>
+          <a:xfrm flipH="1" flipV="1">
+            <a:off x="5293381" y="1897647"/>
+            <a:ext cx="548816" cy="4823"/>
           </a:xfrm>
           <a:prstGeom prst="straightConnector1">
             <a:avLst/>
